--- a/PowerPoints/04 - Definition of CPRL.pptx
+++ b/PowerPoints/04 - Definition of CPRL.pptx
@@ -4940,7 +4940,7 @@
               <a:rPr lang="en-US" sz="2000" dirty="0">
                 <a:latin typeface="Consolas" panose="020B0609020204030204" pitchFamily="49" charset="0"/>
               </a:rPr>
-              <a:t>+   |   ^</a:t>
+              <a:t>+   -   |   ^</a:t>
             </a:r>
           </a:p>
           <a:p>

--- a/PowerPoints/04 - Definition of CPRL.pptx
+++ b/PowerPoints/04 - Definition of CPRL.pptx
@@ -7029,7 +7029,17 @@
           <a:p>
             <a:r>
               <a:rPr lang="en-US" dirty="0"/>
-              <a:t>CPRL also permits an optional for prefix for a loop.</a:t>
+              <a:t>CPRL also permits an optional “</a:t>
+            </a:r>
+            <a:r>
+              <a:rPr lang="en-US" dirty="0">
+                <a:latin typeface="Consolas" panose="020B0609020204030204" pitchFamily="49" charset="0"/>
+              </a:rPr>
+              <a:t>for</a:t>
+            </a:r>
+            <a:r>
+              <a:rPr lang="en-US" dirty="0"/>
+              <a:t>” prefix for a loop.</a:t>
             </a:r>
           </a:p>
           <a:p>

--- a/PowerPoints/04 - Definition of CPRL.pptx
+++ b/PowerPoints/04 - Definition of CPRL.pptx
@@ -2665,15 +2665,7 @@
             </a:r>
             <a:r>
               <a:rPr lang="en-US" dirty="0"/>
-              <a:t> function in </a:t>
-            </a:r>
-            <a:r>
-              <a:rPr lang="en-US"/>
-              <a:t>Kotlin), </a:t>
-            </a:r>
-            <a:r>
-              <a:rPr lang="en-US" dirty="0"/>
-              <a:t>and a procedure call is considered to be a statement.</a:t>
+              <a:t> function in Kotlin), and a procedure call is considered to be a statement.</a:t>
             </a:r>
           </a:p>
         </p:txBody>
@@ -7029,17 +7021,25 @@
           <a:p>
             <a:r>
               <a:rPr lang="en-US" dirty="0"/>
-              <a:t>CPRL also permits an optional “</a:t>
-            </a:r>
-            <a:r>
-              <a:rPr lang="en-US" dirty="0">
+              <a:t>CPRL also permits an optional </a:t>
+            </a:r>
+            <a:r>
+              <a:rPr lang="en-US"/>
+              <a:t>“</a:t>
+            </a:r>
+            <a:r>
+              <a:rPr lang="en-US">
                 <a:latin typeface="Consolas" panose="020B0609020204030204" pitchFamily="49" charset="0"/>
               </a:rPr>
               <a:t>for</a:t>
             </a:r>
             <a:r>
-              <a:rPr lang="en-US" dirty="0"/>
-              <a:t>” prefix for a loop.</a:t>
+              <a:rPr lang="en-US"/>
+              <a:t>” prefix </a:t>
+            </a:r>
+            <a:r>
+              <a:rPr lang="en-US" dirty="0"/>
+              <a:t>for a loop.</a:t>
             </a:r>
           </a:p>
           <a:p>
@@ -11055,21 +11055,14 @@
             </a:r>
             <a:r>
               <a:rPr lang="en-US" dirty="0"/>
-              <a:t> </a:t>
-            </a:r>
-            <a:r>
-              <a:rPr lang="en-US"/>
-              <a:t>or </a:t>
-            </a:r>
-            <a:r>
-              <a:rPr lang="en-US">
+              <a:t> or </a:t>
+            </a:r>
+            <a:r>
+              <a:rPr lang="en-US" dirty="0">
                 <a:latin typeface="Consolas" panose="020B0609020204030204" pitchFamily="49" charset="0"/>
               </a:rPr>
               <a:t>max</a:t>
             </a:r>
-            <a:endParaRPr lang="en-US" dirty="0">
-              <a:latin typeface="Consolas" panose="020B0609020204030204" pitchFamily="49" charset="0"/>
-            </a:endParaRPr>
           </a:p>
           <a:p>
             <a:pPr lvl="2"/>
